--- a/ppts/old/Babbie_7e_PPT_ch_02.pptx
+++ b/ppts/old/Babbie_7e_PPT_ch_02.pptx
@@ -267,7 +267,7 @@
               <a:pPr>
                 <a:defRPr/>
               </a:pPr>
-              <a:t>8/30/16</a:t>
+              <a:t>9/14/16</a:t>
             </a:fld>
             <a:endParaRPr lang="en-US" dirty="0"/>
           </a:p>
@@ -2519,7 +2519,7 @@
               <a:pPr>
                 <a:defRPr/>
               </a:pPr>
-              <a:t>8/30/16</a:t>
+              <a:t>9/14/16</a:t>
             </a:fld>
             <a:endParaRPr lang="en-US" dirty="0"/>
           </a:p>
@@ -2729,7 +2729,7 @@
               <a:pPr>
                 <a:defRPr/>
               </a:pPr>
-              <a:t>8/30/16</a:t>
+              <a:t>9/14/16</a:t>
             </a:fld>
             <a:endParaRPr lang="en-US" dirty="0"/>
           </a:p>
@@ -3095,7 +3095,7 @@
               <a:pPr>
                 <a:defRPr/>
               </a:pPr>
-              <a:t>8/30/16</a:t>
+              <a:t>9/14/16</a:t>
             </a:fld>
             <a:endParaRPr lang="en-US" dirty="0"/>
           </a:p>
@@ -3345,7 +3345,7 @@
               <a:pPr>
                 <a:defRPr/>
               </a:pPr>
-              <a:t>8/30/16</a:t>
+              <a:t>9/14/16</a:t>
             </a:fld>
             <a:endParaRPr lang="en-US" dirty="0"/>
           </a:p>
@@ -3742,7 +3742,7 @@
               <a:pPr>
                 <a:defRPr/>
               </a:pPr>
-              <a:t>8/30/16</a:t>
+              <a:t>9/14/16</a:t>
             </a:fld>
             <a:endParaRPr lang="en-US" dirty="0"/>
           </a:p>
@@ -4076,7 +4076,7 @@
               <a:pPr>
                 <a:defRPr/>
               </a:pPr>
-              <a:t>8/30/16</a:t>
+              <a:t>9/14/16</a:t>
             </a:fld>
             <a:endParaRPr lang="en-US" dirty="0"/>
           </a:p>
@@ -4483,7 +4483,7 @@
               <a:pPr>
                 <a:defRPr/>
               </a:pPr>
-              <a:t>8/30/16</a:t>
+              <a:t>9/14/16</a:t>
             </a:fld>
             <a:endParaRPr lang="en-US" dirty="0"/>
           </a:p>
@@ -4623,7 +4623,7 @@
               <a:pPr>
                 <a:defRPr/>
               </a:pPr>
-              <a:t>8/30/16</a:t>
+              <a:t>9/14/16</a:t>
             </a:fld>
             <a:endParaRPr lang="en-US" dirty="0"/>
           </a:p>
@@ -4740,7 +4740,7 @@
               <a:pPr>
                 <a:defRPr/>
               </a:pPr>
-              <a:t>8/30/16</a:t>
+              <a:t>9/14/16</a:t>
             </a:fld>
             <a:endParaRPr lang="en-US" dirty="0"/>
           </a:p>
@@ -5030,7 +5030,7 @@
               <a:pPr>
                 <a:defRPr/>
               </a:pPr>
-              <a:t>8/30/16</a:t>
+              <a:t>9/14/16</a:t>
             </a:fld>
             <a:endParaRPr lang="en-US" dirty="0"/>
           </a:p>
@@ -5507,7 +5507,7 @@
               <a:pPr>
                 <a:defRPr/>
               </a:pPr>
-              <a:t>8/30/16</a:t>
+              <a:t>9/14/16</a:t>
             </a:fld>
             <a:endParaRPr lang="en-US" dirty="0"/>
           </a:p>
@@ -5651,7 +5651,6 @@
               <a:rPr lang="en-US" dirty="0" smtClean="0"/>
               <a:t>Click to edit Master title style</a:t>
             </a:r>
-            <a:endParaRPr lang="en-US" dirty="0" smtClean="0"/>
           </a:p>
         </p:txBody>
       </p:sp>
@@ -5722,7 +5721,6 @@
               <a:rPr lang="en-US" dirty="0" smtClean="0"/>
               <a:t>Fifth level</a:t>
             </a:r>
-            <a:endParaRPr lang="en-US" dirty="0" smtClean="0"/>
           </a:p>
         </p:txBody>
       </p:sp>
@@ -5772,7 +5770,7 @@
               <a:pPr>
                 <a:defRPr/>
               </a:pPr>
-              <a:t>8/30/16</a:t>
+              <a:t>9/14/16</a:t>
             </a:fld>
             <a:endParaRPr lang="en-US" dirty="0"/>
           </a:p>
@@ -6743,7 +6741,7 @@
 </file>
 
 <file path=ppt/slides/slide11.xml><?xml version="1.0" encoding="utf-8"?>
-<p:sld xmlns:a="http://schemas.openxmlformats.org/drawingml/2006/main" xmlns:r="http://schemas.openxmlformats.org/officeDocument/2006/relationships" xmlns:p="http://schemas.openxmlformats.org/presentationml/2006/main">
+<p:sld xmlns:a="http://schemas.openxmlformats.org/drawingml/2006/main" xmlns:r="http://schemas.openxmlformats.org/officeDocument/2006/relationships" xmlns:p="http://schemas.openxmlformats.org/presentationml/2006/main" show="0">
   <p:cSld>
     <p:spTree>
       <p:nvGrpSpPr>
@@ -6833,6 +6831,14 @@
   <p:clrMapOvr>
     <a:masterClrMapping/>
   </p:clrMapOvr>
+  <mc:AlternateContent xmlns:mc="http://schemas.openxmlformats.org/markup-compatibility/2006">
+    <mc:Choice xmlns:p14="http://schemas.microsoft.com/office/powerpoint/2010/main" Requires="p14">
+      <p:transition spd="slow" p14:dur="2000"/>
+    </mc:Choice>
+    <mc:Fallback>
+      <p:transition xmlns:p14="http://schemas.microsoft.com/office/powerpoint/2010/main" spd="slow"/>
+    </mc:Fallback>
+  </mc:AlternateContent>
   <p:timing>
     <p:tnLst>
       <p:par>
@@ -6928,42 +6934,6 @@
       </p:sp>
       <p:pic>
         <p:nvPicPr>
-          <p:cNvPr id="22531" name="Picture 2"/>
-          <p:cNvPicPr>
-            <a:picLocks noGrp="1" noChangeAspect="1" noChangeArrowheads="1"/>
-          </p:cNvPicPr>
-          <p:nvPr>
-            <p:ph type="pic" idx="1"/>
-          </p:nvPr>
-        </p:nvPicPr>
-        <p:blipFill>
-          <a:blip r:embed="rId2">
-            <a:extLst>
-              <a:ext uri="{28A0092B-C50C-407E-A947-70E740481C1C}">
-                <a14:useLocalDpi xmlns:a14="http://schemas.microsoft.com/office/drawing/2010/main" val="0"/>
-              </a:ext>
-            </a:extLst>
-          </a:blip>
-          <a:srcRect t="24517" b="24517"/>
-          <a:stretch>
-            <a:fillRect/>
-          </a:stretch>
-        </p:blipFill>
-        <p:spPr>
-          <a:noFill/>
-          <a:extLst>
-            <a:ext uri="{909E8E84-426E-40dd-AFC4-6F175D3DCCD1}">
-              <a14:hiddenFill xmlns:a14="http://schemas.microsoft.com/office/drawing/2010/main">
-                <a:solidFill>
-                  <a:srgbClr val="FFFFFF"/>
-                </a:solidFill>
-              </a14:hiddenFill>
-            </a:ext>
-          </a:extLst>
-        </p:spPr>
-      </p:pic>
-      <p:pic>
-        <p:nvPicPr>
           <p:cNvPr id="6" name="Picture 2"/>
           <p:cNvPicPr>
             <a:picLocks noChangeAspect="1" noChangeArrowheads="1"/>
@@ -6971,7 +6941,7 @@
           <p:nvPr/>
         </p:nvPicPr>
         <p:blipFill>
-          <a:blip r:embed="rId3">
+          <a:blip r:embed="rId2">
             <a:extLst>
               <a:ext uri="{28A0092B-C50C-407E-A947-70E740481C1C}">
                 <a14:useLocalDpi xmlns:a14="http://schemas.microsoft.com/office/drawing/2010/main" val="0"/>
@@ -6985,7 +6955,7 @@
         </p:blipFill>
         <p:spPr bwMode="auto">
           <a:xfrm>
-            <a:off x="2971800" y="1494"/>
+            <a:off x="2819400" y="14336"/>
             <a:ext cx="4640732" cy="4570506"/>
           </a:xfrm>
           <a:prstGeom prst="rect">
@@ -7351,7 +7321,7 @@
           <a:p>
             <a:r>
               <a:rPr lang="en-US" sz="2600" dirty="0" smtClean="0"/>
-              <a:t>Deductive Model – research is used to test theories.</a:t>
+              <a:t>Deductive Model – research begins with theories and is used to test theories.</a:t>
             </a:r>
           </a:p>
           <a:p>
@@ -7474,7 +7444,7 @@
 </file>
 
 <file path=ppt/slides/slide17.xml><?xml version="1.0" encoding="utf-8"?>
-<p:sld xmlns:a="http://schemas.openxmlformats.org/drawingml/2006/main" xmlns:r="http://schemas.openxmlformats.org/officeDocument/2006/relationships" xmlns:p="http://schemas.openxmlformats.org/presentationml/2006/main">
+<p:sld xmlns:a="http://schemas.openxmlformats.org/drawingml/2006/main" xmlns:r="http://schemas.openxmlformats.org/officeDocument/2006/relationships" xmlns:p="http://schemas.openxmlformats.org/presentationml/2006/main" show="0">
   <p:cSld>
     <p:spTree>
       <p:nvGrpSpPr>
@@ -7547,6 +7517,14 @@
   <p:clrMapOvr>
     <a:masterClrMapping/>
   </p:clrMapOvr>
+  <mc:AlternateContent xmlns:mc="http://schemas.openxmlformats.org/markup-compatibility/2006">
+    <mc:Choice xmlns:p14="http://schemas.microsoft.com/office/powerpoint/2010/main" Requires="p14">
+      <p:transition spd="slow" p14:dur="2000"/>
+    </mc:Choice>
+    <mc:Fallback>
+      <p:transition xmlns:p14="http://schemas.microsoft.com/office/powerpoint/2010/main" spd="slow"/>
+    </mc:Fallback>
+  </mc:AlternateContent>
   <p:timing>
     <p:tnLst>
       <p:par>
@@ -8304,7 +8282,6 @@
               <a:rPr lang="en-US" sz="3600" dirty="0" smtClean="0"/>
               <a:t>Social Science and Theory</a:t>
             </a:r>
-            <a:endParaRPr lang="en-US" sz="3600" dirty="0" smtClean="0"/>
           </a:p>
         </p:txBody>
       </p:sp>
@@ -8360,50 +8337,9 @@
             </a:pPr>
             <a:r>
               <a:rPr lang="en-US" sz="2600" dirty="0" smtClean="0"/>
-              <a:t>Logical explanations are what theories seek to provide.</a:t>
-            </a:r>
-          </a:p>
-          <a:p>
-            <a:pPr marL="776288" lvl="1" indent="-457200" fontAlgn="auto">
-              <a:spcAft>
-                <a:spcPts val="0"/>
-              </a:spcAft>
-              <a:buFont typeface="Arial" charset="0"/>
-              <a:buAutoNum type="arabicPeriod"/>
-              <a:defRPr/>
-            </a:pPr>
-            <a:r>
-              <a:rPr lang="en-US" dirty="0" smtClean="0"/>
-              <a:t>Theories prevent our being taken in by flukes.</a:t>
-            </a:r>
-          </a:p>
-          <a:p>
-            <a:pPr marL="776288" lvl="1" indent="-457200" fontAlgn="auto">
-              <a:spcAft>
-                <a:spcPts val="0"/>
-              </a:spcAft>
-              <a:buFont typeface="Arial" charset="0"/>
-              <a:buAutoNum type="arabicPeriod"/>
-              <a:defRPr/>
-            </a:pPr>
-            <a:r>
-              <a:rPr lang="en-US" dirty="0" smtClean="0"/>
-              <a:t>Theories makes sense of observed patterns.</a:t>
-            </a:r>
-          </a:p>
-          <a:p>
-            <a:pPr marL="776288" lvl="1" indent="-457200" fontAlgn="auto">
-              <a:spcAft>
-                <a:spcPts val="0"/>
-              </a:spcAft>
-              <a:buFont typeface="Arial" charset="0"/>
-              <a:buAutoNum type="arabicPeriod"/>
-              <a:defRPr/>
-            </a:pPr>
-            <a:r>
-              <a:rPr lang="en-US" dirty="0" smtClean="0"/>
-              <a:t>Theories shape and direct research efforts.</a:t>
-            </a:r>
+              <a:t>Theories help us explain the patterns and relationships we observe, in a logical way</a:t>
+            </a:r>
+            <a:endParaRPr lang="en-US" dirty="0" smtClean="0"/>
           </a:p>
           <a:p>
             <a:pPr marL="319088" lvl="1" indent="0" fontAlgn="auto">
@@ -8476,23 +8412,11 @@
           <a:p>
             <a:r>
               <a:rPr lang="en-US" sz="3600" dirty="0" smtClean="0"/>
-              <a:t>Social </a:t>
-            </a:r>
-            <a:r>
-              <a:rPr lang="en-US" sz="3600" dirty="0" smtClean="0"/>
-              <a:t>Science Paradigms </a:t>
+              <a:t>Social Science Paradigms </a:t>
             </a:r>
             <a:r>
               <a:rPr lang="en-US" sz="1200" dirty="0" smtClean="0"/>
-              <a:t>(slide </a:t>
-            </a:r>
-            <a:r>
-              <a:rPr lang="en-US" sz="1200" dirty="0" smtClean="0"/>
-              <a:t>1 </a:t>
-            </a:r>
-            <a:r>
-              <a:rPr lang="en-US" sz="1200" dirty="0" smtClean="0"/>
-              <a:t>of 16) </a:t>
+              <a:t>(slide 1 of 16) </a:t>
             </a:r>
             <a:endParaRPr lang="en-US" sz="3600" dirty="0" smtClean="0"/>
           </a:p>
@@ -8539,13 +8463,8 @@
             </a:pPr>
             <a:r>
               <a:rPr lang="en-US" dirty="0" smtClean="0"/>
-              <a:t>Framework for understanding </a:t>
-            </a:r>
-            <a:r>
-              <a:rPr lang="en-US" dirty="0" smtClean="0"/>
-              <a:t>social relations</a:t>
-            </a:r>
-            <a:endParaRPr lang="en-US" dirty="0" smtClean="0"/>
+              <a:t>Framework for understanding social relations</a:t>
+            </a:r>
           </a:p>
           <a:p>
             <a:pPr marL="640715" lvl="1" indent="-320040" fontAlgn="auto">
@@ -8558,11 +8477,7 @@
             </a:pPr>
             <a:r>
               <a:rPr lang="en-US" dirty="0" smtClean="0"/>
-              <a:t>Shapes what we “see” and how we understand </a:t>
-            </a:r>
-            <a:r>
-              <a:rPr lang="en-US" dirty="0" smtClean="0"/>
-              <a:t>it</a:t>
+              <a:t>Shapes how we understand the patterns we observe</a:t>
             </a:r>
           </a:p>
           <a:p>
@@ -8712,11 +8627,7 @@
             </a:r>
             <a:r>
               <a:rPr lang="en-US" sz="1200" dirty="0" smtClean="0"/>
-              <a:t>(</a:t>
-            </a:r>
-            <a:r>
-              <a:rPr lang="en-US" sz="1200" dirty="0" smtClean="0"/>
-              <a:t>slide 2 of 16)</a:t>
+              <a:t>(slide 2 of 16)</a:t>
             </a:r>
             <a:endParaRPr lang="en-US" sz="3600" dirty="0" smtClean="0"/>
           </a:p>
@@ -8817,11 +8728,7 @@
             </a:r>
             <a:r>
               <a:rPr lang="en-US" sz="1200" dirty="0" smtClean="0"/>
-              <a:t>(</a:t>
-            </a:r>
-            <a:r>
-              <a:rPr lang="en-US" sz="1200" dirty="0" smtClean="0"/>
-              <a:t>slide 4 of 16)</a:t>
+              <a:t>(slide 4 of 16)</a:t>
             </a:r>
             <a:endParaRPr lang="en-US" sz="3600" dirty="0" smtClean="0"/>
           </a:p>
@@ -8946,11 +8853,7 @@
           <a:p>
             <a:r>
               <a:rPr lang="en-US" sz="3600" dirty="0" smtClean="0"/>
-              <a:t>Social </a:t>
-            </a:r>
-            <a:r>
-              <a:rPr lang="en-US" sz="3600" dirty="0" smtClean="0"/>
-              <a:t>Science Paradigms </a:t>
+              <a:t>Social Science Paradigms </a:t>
             </a:r>
             <a:r>
               <a:rPr lang="en-US" sz="1200" dirty="0" smtClean="0"/>
@@ -9008,7 +8911,7 @@
 </file>
 
 <file path=ppt/slides/slide8.xml><?xml version="1.0" encoding="utf-8"?>
-<p:sld xmlns:a="http://schemas.openxmlformats.org/drawingml/2006/main" xmlns:r="http://schemas.openxmlformats.org/officeDocument/2006/relationships" xmlns:p="http://schemas.openxmlformats.org/presentationml/2006/main">
+<p:sld xmlns:a="http://schemas.openxmlformats.org/drawingml/2006/main" xmlns:r="http://schemas.openxmlformats.org/officeDocument/2006/relationships" xmlns:p="http://schemas.openxmlformats.org/presentationml/2006/main" show="0">
   <p:cSld>
     <p:spTree>
       <p:nvGrpSpPr>
@@ -9083,6 +8986,14 @@
   <p:clrMapOvr>
     <a:masterClrMapping/>
   </p:clrMapOvr>
+  <mc:AlternateContent xmlns:mc="http://schemas.openxmlformats.org/markup-compatibility/2006">
+    <mc:Choice xmlns:p14="http://schemas.microsoft.com/office/powerpoint/2010/main" Requires="p14">
+      <p:transition spd="slow" p14:dur="2000"/>
+    </mc:Choice>
+    <mc:Fallback>
+      <p:transition xmlns:p14="http://schemas.microsoft.com/office/powerpoint/2010/main" spd="slow"/>
+    </mc:Fallback>
+  </mc:AlternateContent>
   <p:timing>
     <p:tnLst>
       <p:par>
